--- a/2.) Introduction to C++/Introduction to C++.pptx
+++ b/2.) Introduction to C++/Introduction to C++.pptx
@@ -4011,7 +4011,7 @@
         </p:spPr>
         <p:txBody>
           <a:bodyPr>
-            <a:normAutofit lnSpcReduction="10000"/>
+            <a:normAutofit/>
           </a:bodyPr>
           <a:lstStyle/>
           <a:p>
@@ -4037,7 +4037,7 @@
             </a:pPr>
             <a:r>
               <a:rPr lang="en-US" dirty="0"/>
-              <a:t>Line 1 –  the use of the keyword ‘include’ means that you are loading that header library for use in your program. Libraries are used to add functionalities to your program without having to rewrite code from basics. In this case the use of the </a:t>
+              <a:t>Line 1 –  A pre-processor directive that allows you to load that header library for use in your program. Libraries are used to add functionalities to your program without having to rewrite code from basics. In this case the use of the </a:t>
             </a:r>
             <a:r>
               <a:rPr lang="en-US" dirty="0">
@@ -4357,7 +4357,17 @@
             </a:r>
             <a:r>
               <a:rPr lang="en-US" i="0" dirty="0"/>
-              <a:t> we’ll get to functions later. C++ uses this as the entry point for execution. This means the program starts execution from just after the first parenthesis (curly brace) till just before return 0;. If there is no main function there is no execution. The curly braces also define the </a:t>
+              <a:t> we’ll get to functions later. C++ uses this as the entry point for execution. This means the program starts execution from just after the first parenthesis (curly brace) till just before </a:t>
+            </a:r>
+            <a:r>
+              <a:rPr lang="en-US" i="0" dirty="0">
+                <a:latin typeface="Consolas" panose="020B0609020204030204" pitchFamily="49" charset="0"/>
+              </a:rPr>
+              <a:t>return 0;</a:t>
+            </a:r>
+            <a:r>
+              <a:rPr lang="en-US" i="0" dirty="0"/>
+              <a:t>. If there is no main function there is no execution. The curly braces also define the </a:t>
             </a:r>
             <a:r>
               <a:rPr lang="en-US" i="0" u="sng" dirty="0"/>
@@ -4712,7 +4722,24 @@
                   <a:schemeClr val="tx1"/>
                 </a:solidFill>
               </a:rPr>
-              <a:t> was a function of type integer (int)? Functions that have a type usually* have to give back a value after execution i.e. they have to return a value. The main function is special, it always returns a value of 0. This value indicates to your operating system that the program has </a:t>
+              <a:t> was a function of type integer (</a:t>
+            </a:r>
+            <a:r>
+              <a:rPr lang="en-US" altLang="en-US" i="0" dirty="0">
+                <a:solidFill>
+                  <a:schemeClr val="tx1"/>
+                </a:solidFill>
+                <a:latin typeface="Consolas" panose="020B0609020204030204" pitchFamily="49" charset="0"/>
+              </a:rPr>
+              <a:t>int</a:t>
+            </a:r>
+            <a:r>
+              <a:rPr lang="en-US" altLang="en-US" i="0" dirty="0">
+                <a:solidFill>
+                  <a:schemeClr val="tx1"/>
+                </a:solidFill>
+              </a:rPr>
+              <a:t>)? Functions that have a type usually* have to give back a value after execution i.e. they have to return a value. The main function is special, it always returns a value of 0. This value indicates to your operating system that the program has </a:t>
             </a:r>
             <a:r>
               <a:rPr lang="en-US" altLang="en-US" i="0" u="sng" dirty="0">
@@ -4756,7 +4783,7 @@
             <a:r>
               <a:rPr lang="en-US" altLang="en-US" i="0" dirty="0">
                 <a:solidFill>
-                  <a:schemeClr val="tx1"/>
+                  <a:srgbClr val="FF0000"/>
                 </a:solidFill>
               </a:rPr>
               <a:t>Do not use blocking code </a:t>
@@ -4787,6 +4814,15 @@
                   <a:schemeClr val="tx1"/>
                 </a:solidFill>
               </a:rPr>
+              <a:t>   </a:t>
+            </a:r>
+            <a:r>
+              <a:rPr lang="en-US" altLang="en-US" i="0" dirty="0">
+                <a:solidFill>
+                  <a:schemeClr val="tx1"/>
+                </a:solidFill>
+                <a:latin typeface="Consolas" panose="020B0609020204030204" pitchFamily="49" charset="0"/>
+              </a:rPr>
               <a:t>SYSTEM(“PAUSE”);  </a:t>
             </a:r>
           </a:p>
@@ -4797,10 +4833,19 @@
               </a:lnSpc>
             </a:pPr>
             <a:r>
+              <a:rPr lang="en-US" altLang="en-US" i="0" dirty="0">
+                <a:solidFill>
+                  <a:schemeClr val="tx1"/>
+                </a:solidFill>
+              </a:rPr>
+              <a:t>          </a:t>
+            </a:r>
+            <a:r>
               <a:rPr lang="en-US" altLang="en-US" i="0" dirty="0" err="1">
                 <a:solidFill>
                   <a:schemeClr val="tx1"/>
                 </a:solidFill>
+                <a:latin typeface="Consolas" panose="020B0609020204030204" pitchFamily="49" charset="0"/>
               </a:rPr>
               <a:t>getchar</a:t>
             </a:r>
@@ -4809,6 +4854,7 @@
                 <a:solidFill>
                   <a:schemeClr val="tx1"/>
                 </a:solidFill>
+                <a:latin typeface="Consolas" panose="020B0609020204030204" pitchFamily="49" charset="0"/>
               </a:rPr>
               <a:t>();</a:t>
             </a:r>
@@ -5024,7 +5070,7 @@
         </p:blipFill>
         <p:spPr bwMode="auto">
           <a:xfrm>
-            <a:off x="4495799" y="5509260"/>
+            <a:off x="4676557" y="5509260"/>
             <a:ext cx="361950" cy="361950"/>
           </a:xfrm>
           <a:prstGeom prst="rect">
@@ -5071,7 +5117,101 @@
         </p:blipFill>
         <p:spPr bwMode="auto">
           <a:xfrm>
-            <a:off x="3390899" y="6002655"/>
+            <a:off x="4337197" y="6001858"/>
+            <a:ext cx="361950" cy="361950"/>
+          </a:xfrm>
+          <a:prstGeom prst="rect">
+            <a:avLst/>
+          </a:prstGeom>
+          <a:noFill/>
+          <a:extLst>
+            <a:ext uri="{909E8E84-426E-40DD-AFC4-6F175D3DCCD1}">
+              <a14:hiddenFill xmlns:a14="http://schemas.microsoft.com/office/drawing/2010/main">
+                <a:solidFill>
+                  <a:srgbClr val="FFFFFF"/>
+                </a:solidFill>
+              </a14:hiddenFill>
+            </a:ext>
+          </a:extLst>
+        </p:spPr>
+      </p:pic>
+      <p:pic>
+        <p:nvPicPr>
+          <p:cNvPr id="8" name="Picture 2" descr="Skull and Crossbones on Apple iOS 13.3">
+            <a:extLst>
+              <a:ext uri="{FF2B5EF4-FFF2-40B4-BE49-F238E27FC236}">
+                <a16:creationId xmlns:a16="http://schemas.microsoft.com/office/drawing/2014/main" id="{AC52A4CD-F8DC-4952-B9D4-1D452E53931A}"/>
+              </a:ext>
+            </a:extLst>
+          </p:cNvPr>
+          <p:cNvPicPr>
+            <a:picLocks noChangeAspect="1" noChangeArrowheads="1"/>
+          </p:cNvPicPr>
+          <p:nvPr/>
+        </p:nvPicPr>
+        <p:blipFill>
+          <a:blip r:embed="rId3">
+            <a:extLst>
+              <a:ext uri="{28A0092B-C50C-407E-A947-70E740481C1C}">
+                <a14:useLocalDpi xmlns:a14="http://schemas.microsoft.com/office/drawing/2010/main" val="0"/>
+              </a:ext>
+            </a:extLst>
+          </a:blip>
+          <a:srcRect/>
+          <a:stretch>
+            <a:fillRect/>
+          </a:stretch>
+        </p:blipFill>
+        <p:spPr bwMode="auto">
+          <a:xfrm>
+            <a:off x="2181446" y="5498627"/>
+            <a:ext cx="361950" cy="361950"/>
+          </a:xfrm>
+          <a:prstGeom prst="rect">
+            <a:avLst/>
+          </a:prstGeom>
+          <a:noFill/>
+          <a:extLst>
+            <a:ext uri="{909E8E84-426E-40DD-AFC4-6F175D3DCCD1}">
+              <a14:hiddenFill xmlns:a14="http://schemas.microsoft.com/office/drawing/2010/main">
+                <a:solidFill>
+                  <a:srgbClr val="FFFFFF"/>
+                </a:solidFill>
+              </a14:hiddenFill>
+            </a:ext>
+          </a:extLst>
+        </p:spPr>
+      </p:pic>
+      <p:pic>
+        <p:nvPicPr>
+          <p:cNvPr id="9" name="Picture 2" descr="Skull and Crossbones on Apple iOS 13.3">
+            <a:extLst>
+              <a:ext uri="{FF2B5EF4-FFF2-40B4-BE49-F238E27FC236}">
+                <a16:creationId xmlns:a16="http://schemas.microsoft.com/office/drawing/2014/main" id="{F17C0D39-23C8-475C-8D50-9316BFE6194A}"/>
+              </a:ext>
+            </a:extLst>
+          </p:cNvPr>
+          <p:cNvPicPr>
+            <a:picLocks noChangeAspect="1" noChangeArrowheads="1"/>
+          </p:cNvPicPr>
+          <p:nvPr/>
+        </p:nvPicPr>
+        <p:blipFill>
+          <a:blip r:embed="rId3">
+            <a:extLst>
+              <a:ext uri="{28A0092B-C50C-407E-A947-70E740481C1C}">
+                <a14:useLocalDpi xmlns:a14="http://schemas.microsoft.com/office/drawing/2010/main" val="0"/>
+              </a:ext>
+            </a:extLst>
+          </a:blip>
+          <a:srcRect/>
+          <a:stretch>
+            <a:fillRect/>
+          </a:stretch>
+        </p:blipFill>
+        <p:spPr bwMode="auto">
+          <a:xfrm>
+            <a:off x="2628014" y="5991225"/>
             <a:ext cx="361950" cy="361950"/>
           </a:xfrm>
           <a:prstGeom prst="rect">
@@ -6771,7 +6911,15 @@
             </a:pPr>
             <a:r>
               <a:rPr lang="en-US" i="0" dirty="0"/>
-              <a:t>Click create - your project should now be loaded with the Solution Explorer on the right. If the SE isn’t open, press CTRL+ALT+L to load it</a:t>
+              <a:t>Click create - your project should now be loaded with the Solution Explorer on the right. If the SE isn’t open, press </a:t>
+            </a:r>
+            <a:r>
+              <a:rPr lang="en-US" i="0" dirty="0" err="1"/>
+              <a:t>Ctrl+Alt+L</a:t>
+            </a:r>
+            <a:r>
+              <a:rPr lang="en-US" i="0" dirty="0"/>
+              <a:t> to load it</a:t>
             </a:r>
           </a:p>
           <a:p>
@@ -7147,6 +7295,27 @@
             <a:r>
               <a:rPr lang="en-US" dirty="0"/>
               <a:t>MacOS X users, your getting started is included in the video tutorial.</a:t>
+            </a:r>
+          </a:p>
+          <a:p>
+            <a:pPr lvl="1">
+              <a:lnSpc>
+                <a:spcPct val="150000"/>
+              </a:lnSpc>
+            </a:pPr>
+            <a:r>
+              <a:rPr lang="en-US" dirty="0"/>
+              <a:t>You can use an online C++ shell at </a:t>
+            </a:r>
+            <a:r>
+              <a:rPr lang="en-US" dirty="0">
+                <a:hlinkClick r:id="rId2"/>
+              </a:rPr>
+              <a:t>https://www.onlinegdb.com/online_c++_compiler</a:t>
+            </a:r>
+            <a:r>
+              <a:rPr lang="en-US" dirty="0"/>
+              <a:t> </a:t>
             </a:r>
           </a:p>
           <a:p>

--- a/2.) Introduction to C++/Introduction to C++.pptx
+++ b/2.) Introduction to C++/Introduction to C++.pptx
@@ -314,7 +314,7 @@
             <a:fld id="{87DE6118-2437-4B30-8E3C-4D2BE6020583}" type="datetimeFigureOut">
               <a:rPr lang="en-US" dirty="0"/>
               <a:pPr/>
-              <a:t>2020-01-22</a:t>
+              <a:t>2020-01-23</a:t>
             </a:fld>
             <a:endParaRPr lang="en-US" dirty="0"/>
           </a:p>
@@ -647,7 +647,7 @@
           <a:p>
             <a:fld id="{87DE6118-2437-4B30-8E3C-4D2BE6020583}" type="datetimeFigureOut">
               <a:rPr lang="en-US" dirty="0"/>
-              <a:t>2020-01-22</a:t>
+              <a:t>2020-01-23</a:t>
             </a:fld>
             <a:endParaRPr lang="en-US" dirty="0"/>
           </a:p>
@@ -822,7 +822,7 @@
           <a:p>
             <a:fld id="{87DE6118-2437-4B30-8E3C-4D2BE6020583}" type="datetimeFigureOut">
               <a:rPr lang="en-US" dirty="0"/>
-              <a:t>2020-01-22</a:t>
+              <a:t>2020-01-23</a:t>
             </a:fld>
             <a:endParaRPr lang="en-US" dirty="0"/>
           </a:p>
@@ -992,7 +992,7 @@
           <a:p>
             <a:fld id="{87DE6118-2437-4B30-8E3C-4D2BE6020583}" type="datetimeFigureOut">
               <a:rPr lang="en-US" dirty="0"/>
-              <a:t>2020-01-22</a:t>
+              <a:t>2020-01-23</a:t>
             </a:fld>
             <a:endParaRPr lang="en-US" dirty="0"/>
           </a:p>
@@ -1265,7 +1265,7 @@
             <a:fld id="{87DE6118-2437-4B30-8E3C-4D2BE6020583}" type="datetimeFigureOut">
               <a:rPr lang="en-US" dirty="0"/>
               <a:pPr/>
-              <a:t>2020-01-22</a:t>
+              <a:t>2020-01-23</a:t>
             </a:fld>
             <a:endParaRPr lang="en-US" dirty="0"/>
           </a:p>
@@ -1662,7 +1662,7 @@
           <a:p>
             <a:fld id="{87DE6118-2437-4B30-8E3C-4D2BE6020583}" type="datetimeFigureOut">
               <a:rPr lang="en-US" dirty="0"/>
-              <a:t>2020-01-22</a:t>
+              <a:t>2020-01-23</a:t>
             </a:fld>
             <a:endParaRPr lang="en-US" dirty="0"/>
           </a:p>
@@ -2134,7 +2134,7 @@
           <a:p>
             <a:fld id="{87DE6118-2437-4B30-8E3C-4D2BE6020583}" type="datetimeFigureOut">
               <a:rPr lang="en-US" dirty="0"/>
-              <a:t>2020-01-22</a:t>
+              <a:t>2020-01-23</a:t>
             </a:fld>
             <a:endParaRPr lang="en-US" dirty="0"/>
           </a:p>
@@ -2247,7 +2247,7 @@
           <a:p>
             <a:fld id="{87DE6118-2437-4B30-8E3C-4D2BE6020583}" type="datetimeFigureOut">
               <a:rPr lang="en-US" dirty="0"/>
-              <a:t>2020-01-22</a:t>
+              <a:t>2020-01-23</a:t>
             </a:fld>
             <a:endParaRPr lang="en-US" dirty="0"/>
           </a:p>
@@ -2337,7 +2337,7 @@
           <a:p>
             <a:fld id="{87DE6118-2437-4B30-8E3C-4D2BE6020583}" type="datetimeFigureOut">
               <a:rPr lang="en-US" dirty="0"/>
-              <a:t>2020-01-22</a:t>
+              <a:t>2020-01-23</a:t>
             </a:fld>
             <a:endParaRPr lang="en-US" dirty="0"/>
           </a:p>
@@ -2679,7 +2679,7 @@
             <a:fld id="{87DE6118-2437-4B30-8E3C-4D2BE6020583}" type="datetimeFigureOut">
               <a:rPr lang="en-US" dirty="0"/>
               <a:pPr/>
-              <a:t>2020-01-22</a:t>
+              <a:t>2020-01-23</a:t>
             </a:fld>
             <a:endParaRPr lang="en-US" dirty="0"/>
           </a:p>
@@ -3064,7 +3064,7 @@
             <a:fld id="{87DE6118-2437-4B30-8E3C-4D2BE6020583}" type="datetimeFigureOut">
               <a:rPr lang="en-US" dirty="0"/>
               <a:pPr/>
-              <a:t>2020-01-22</a:t>
+              <a:t>2020-01-23</a:t>
             </a:fld>
             <a:endParaRPr lang="en-US" dirty="0"/>
           </a:p>
@@ -3337,7 +3337,7 @@
             <a:fld id="{87DE6118-2437-4B30-8E3C-4D2BE6020583}" type="datetimeFigureOut">
               <a:rPr lang="en-US" dirty="0"/>
               <a:pPr/>
-              <a:t>2020-01-22</a:t>
+              <a:t>2020-01-23</a:t>
             </a:fld>
             <a:endParaRPr lang="en-US" dirty="0"/>
           </a:p>
@@ -4673,7 +4673,7 @@
         </p:spPr>
         <p:txBody>
           <a:bodyPr>
-            <a:normAutofit fontScale="92500" lnSpcReduction="10000"/>
+            <a:normAutofit fontScale="92500" lnSpcReduction="20000"/>
           </a:bodyPr>
           <a:lstStyle/>
           <a:p>
@@ -4771,7 +4771,32 @@
                   <a:schemeClr val="tx1"/>
                 </a:solidFill>
               </a:rPr>
-              <a:t>. This allows the operating system to reallocate resources that would have been used to run your program.</a:t>
+              <a:t>. This allows the operating system to reallocate resources that would have been used to run your program. </a:t>
+            </a:r>
+            <a:r>
+              <a:rPr lang="en-US" altLang="en-US" i="0" u="sng" dirty="0">
+                <a:solidFill>
+                  <a:schemeClr val="tx1"/>
+                </a:solidFill>
+              </a:rPr>
+              <a:t>Only one </a:t>
+            </a:r>
+            <a:r>
+              <a:rPr lang="en-US" altLang="en-US" i="0" u="sng" dirty="0">
+                <a:solidFill>
+                  <a:schemeClr val="tx1"/>
+                </a:solidFill>
+                <a:latin typeface="Consolas" panose="020B0609020204030204" pitchFamily="49" charset="0"/>
+              </a:rPr>
+              <a:t>main</a:t>
+            </a:r>
+            <a:r>
+              <a:rPr lang="en-US" altLang="en-US" i="0" u="sng" dirty="0">
+                <a:solidFill>
+                  <a:schemeClr val="tx1"/>
+                </a:solidFill>
+              </a:rPr>
+              <a:t> can exist for a program.</a:t>
             </a:r>
           </a:p>
           <a:p>
@@ -5070,7 +5095,7 @@
         </p:blipFill>
         <p:spPr bwMode="auto">
           <a:xfrm>
-            <a:off x="4676557" y="5509260"/>
+            <a:off x="4676557" y="5594324"/>
             <a:ext cx="361950" cy="361950"/>
           </a:xfrm>
           <a:prstGeom prst="rect">
@@ -5117,7 +5142,7 @@
         </p:blipFill>
         <p:spPr bwMode="auto">
           <a:xfrm>
-            <a:off x="4337197" y="6001858"/>
+            <a:off x="4347830" y="6076289"/>
             <a:ext cx="361950" cy="361950"/>
           </a:xfrm>
           <a:prstGeom prst="rect">
@@ -5164,7 +5189,7 @@
         </p:blipFill>
         <p:spPr bwMode="auto">
           <a:xfrm>
-            <a:off x="2181446" y="5498627"/>
+            <a:off x="2192079" y="5583691"/>
             <a:ext cx="361950" cy="361950"/>
           </a:xfrm>
           <a:prstGeom prst="rect">
@@ -5211,7 +5236,7 @@
         </p:blipFill>
         <p:spPr bwMode="auto">
           <a:xfrm>
-            <a:off x="2628014" y="5991225"/>
+            <a:off x="2628014" y="6044390"/>
             <a:ext cx="361950" cy="361950"/>
           </a:xfrm>
           <a:prstGeom prst="rect">
